--- a/powerpoints/factors.pptx
+++ b/powerpoints/factors.pptx
@@ -3532,7 +3532,7 @@
               </a:defRPr>
             </a:pPr>
             <a:r>
-              <a:t>integers and categorical values. When you view a factor, R displays not the integers, but the values associated with them.</a:t>
+              <a:t>integers and categorical values. When you view a factor, R displays not the integers, but the levels associated with them.</a:t>
             </a:r>
           </a:p>
         </p:txBody>
